--- a/Presentation.pptx
+++ b/Presentation.pptx
@@ -5,21 +5,22 @@
     <p:sldMasterId id="2147483648" r:id="rId1"/>
   </p:sldMasterIdLst>
   <p:notesMasterIdLst>
-    <p:notesMasterId r:id="rId14"/>
+    <p:notesMasterId r:id="rId15"/>
   </p:notesMasterIdLst>
   <p:sldIdLst>
     <p:sldId id="256" r:id="rId2"/>
     <p:sldId id="257" r:id="rId3"/>
     <p:sldId id="258" r:id="rId4"/>
-    <p:sldId id="260" r:id="rId5"/>
-    <p:sldId id="259" r:id="rId6"/>
-    <p:sldId id="261" r:id="rId7"/>
-    <p:sldId id="262" r:id="rId8"/>
-    <p:sldId id="263" r:id="rId9"/>
-    <p:sldId id="264" r:id="rId10"/>
-    <p:sldId id="265" r:id="rId11"/>
-    <p:sldId id="267" r:id="rId12"/>
-    <p:sldId id="266" r:id="rId13"/>
+    <p:sldId id="268" r:id="rId5"/>
+    <p:sldId id="260" r:id="rId6"/>
+    <p:sldId id="259" r:id="rId7"/>
+    <p:sldId id="261" r:id="rId8"/>
+    <p:sldId id="262" r:id="rId9"/>
+    <p:sldId id="263" r:id="rId10"/>
+    <p:sldId id="264" r:id="rId11"/>
+    <p:sldId id="265" r:id="rId12"/>
+    <p:sldId id="267" r:id="rId13"/>
+    <p:sldId id="266" r:id="rId14"/>
   </p:sldIdLst>
   <p:sldSz cx="12192000" cy="6858000"/>
   <p:notesSz cx="6858000" cy="9144000"/>
@@ -118,6 +119,11 @@
       </a:defRPr>
     </a:lvl9pPr>
   </p:defaultTextStyle>
+  <p:extLst>
+    <p:ext uri="{EFAFB233-063F-42B5-8137-9DF3F51BA10A}">
+      <p15:sldGuideLst xmlns:p15="http://schemas.microsoft.com/office/powerpoint/2012/main"/>
+    </p:ext>
+  </p:extLst>
 </p:presentation>
 </file>
 
@@ -1081,7 +1087,7 @@
           <a:p>
             <a:fld id="{D705C341-BFFD-3548-81CA-C1EF643F6110}" type="datetimeFigureOut">
               <a:rPr lang="en-US" smtClean="0"/>
-              <a:t>4/22/24</a:t>
+              <a:t>4/23/24</a:t>
             </a:fld>
             <a:endParaRPr lang="en-US"/>
           </a:p>
@@ -1744,6 +1750,274 @@
                 </a:highlight>
                 <a:latin typeface="Source Sans Pro" panose="020B0503030403020204" pitchFamily="34" charset="0"/>
               </a:rPr>
+              <a:t>Gene Ontology (GO) enrichment analysis highlighted significant dysregulation in biological processes and cellular components related to the extracellular matrix, confirming our hypothesis. Key GO terms such as extracellular matrix organization, collagen-containing extracellular matrix, and extracellular structure organization were among the most significantly enriched. </a:t>
+            </a:r>
+          </a:p>
+          <a:p>
+            <a:endParaRPr lang="en-US" b="0" i="0" dirty="0">
+              <a:solidFill>
+                <a:srgbClr val="333333"/>
+              </a:solidFill>
+              <a:effectLst/>
+              <a:highlight>
+                <a:srgbClr val="FFFFFF"/>
+              </a:highlight>
+              <a:latin typeface="Source Sans Pro" panose="020B0503030403020204" pitchFamily="34" charset="0"/>
+            </a:endParaRPr>
+          </a:p>
+          <a:p>
+            <a:r>
+              <a:rPr lang="en-US" b="0" i="0" dirty="0">
+                <a:solidFill>
+                  <a:srgbClr val="333333"/>
+                </a:solidFill>
+                <a:effectLst/>
+                <a:highlight>
+                  <a:srgbClr val="FFFFFF"/>
+                </a:highlight>
+                <a:latin typeface="Source Sans Pro" panose="020B0503030403020204" pitchFamily="34" charset="0"/>
+              </a:rPr>
+              <a:t>I would like to highlight the following downregulated genes:</a:t>
+            </a:r>
+          </a:p>
+          <a:p>
+            <a:r>
+              <a:rPr lang="en-US" b="0" i="0" dirty="0">
+                <a:solidFill>
+                  <a:srgbClr val="333333"/>
+                </a:solidFill>
+                <a:effectLst/>
+                <a:highlight>
+                  <a:srgbClr val="FFFFFF"/>
+                </a:highlight>
+                <a:latin typeface="Source Sans Pro" panose="020B0503030403020204" pitchFamily="34" charset="0"/>
+              </a:rPr>
+              <a:t>ITGA11 - </a:t>
+            </a:r>
+            <a:r>
+              <a:rPr lang="en-US" b="0" i="0" dirty="0">
+                <a:solidFill>
+                  <a:srgbClr val="ECECEC"/>
+                </a:solidFill>
+                <a:effectLst/>
+                <a:highlight>
+                  <a:srgbClr val="212121"/>
+                </a:highlight>
+                <a:latin typeface="Söhne"/>
+              </a:rPr>
+              <a:t>play a crucial role in cell-matrix adhesion and are involved in the structural organization of the ECM</a:t>
+            </a:r>
+          </a:p>
+          <a:p>
+            <a:endParaRPr lang="en-US" b="0" i="0" dirty="0">
+              <a:solidFill>
+                <a:srgbClr val="ECECEC"/>
+              </a:solidFill>
+              <a:effectLst/>
+              <a:highlight>
+                <a:srgbClr val="212121"/>
+              </a:highlight>
+              <a:latin typeface="Söhne"/>
+            </a:endParaRPr>
+          </a:p>
+          <a:p>
+            <a:r>
+              <a:rPr lang="en-US" b="0" i="0" dirty="0">
+                <a:solidFill>
+                  <a:srgbClr val="333333"/>
+                </a:solidFill>
+                <a:effectLst/>
+                <a:highlight>
+                  <a:srgbClr val="FFFFFF"/>
+                </a:highlight>
+                <a:latin typeface="Source Sans Pro" panose="020B0503030403020204" pitchFamily="34" charset="0"/>
+              </a:rPr>
+              <a:t>The second pair – are part of WNT pathway that </a:t>
+            </a:r>
+            <a:r>
+              <a:rPr lang="en-US" b="0" i="0" dirty="0">
+                <a:solidFill>
+                  <a:srgbClr val="ECECEC"/>
+                </a:solidFill>
+                <a:effectLst/>
+                <a:highlight>
+                  <a:srgbClr val="212121"/>
+                </a:highlight>
+                <a:latin typeface="Söhne"/>
+              </a:rPr>
+              <a:t>is vital for various developmental processes, including those that influence ECM maintenance and cell interactions with their environment</a:t>
+            </a:r>
+          </a:p>
+          <a:p>
+            <a:endParaRPr lang="en-US" b="0" i="0" dirty="0">
+              <a:solidFill>
+                <a:srgbClr val="ECECEC"/>
+              </a:solidFill>
+              <a:effectLst/>
+              <a:highlight>
+                <a:srgbClr val="212121"/>
+              </a:highlight>
+              <a:latin typeface="Söhne"/>
+            </a:endParaRPr>
+          </a:p>
+          <a:p>
+            <a:r>
+              <a:rPr lang="en-US" b="0" i="0" dirty="0">
+                <a:solidFill>
+                  <a:srgbClr val="ECECEC"/>
+                </a:solidFill>
+                <a:effectLst/>
+                <a:highlight>
+                  <a:srgbClr val="212121"/>
+                </a:highlight>
+                <a:latin typeface="Söhne"/>
+              </a:rPr>
+              <a:t>TTR - It can bind and stabilize amyloid-beta, potentially reducing amyloid plaque formation, which is a hallmark of Alzheimer’s disease</a:t>
+            </a:r>
+          </a:p>
+          <a:p>
+            <a:endParaRPr lang="en-US" b="0" i="0" dirty="0">
+              <a:solidFill>
+                <a:srgbClr val="333333"/>
+              </a:solidFill>
+              <a:effectLst/>
+              <a:highlight>
+                <a:srgbClr val="FFFFFF"/>
+              </a:highlight>
+              <a:latin typeface="Source Sans Pro" panose="020B0503030403020204" pitchFamily="34" charset="0"/>
+            </a:endParaRPr>
+          </a:p>
+          <a:p>
+            <a:r>
+              <a:rPr lang="en-US" b="0" i="0" dirty="0">
+                <a:solidFill>
+                  <a:srgbClr val="333333"/>
+                </a:solidFill>
+                <a:effectLst/>
+                <a:highlight>
+                  <a:srgbClr val="FFFFFF"/>
+                </a:highlight>
+                <a:latin typeface="Source Sans Pro" panose="020B0503030403020204" pitchFamily="34" charset="0"/>
+              </a:rPr>
+              <a:t>And the last one takes part in </a:t>
+            </a:r>
+            <a:r>
+              <a:rPr lang="en-US" b="0" i="0" dirty="0">
+                <a:solidFill>
+                  <a:srgbClr val="ECECEC"/>
+                </a:solidFill>
+                <a:effectLst/>
+                <a:highlight>
+                  <a:srgbClr val="212121"/>
+                </a:highlight>
+                <a:latin typeface="Söhne"/>
+              </a:rPr>
+              <a:t>regulating protein breakdown that maintains the matrix’s integrity</a:t>
+            </a:r>
+            <a:endParaRPr lang="en-US" b="0" i="0" dirty="0">
+              <a:solidFill>
+                <a:srgbClr val="333333"/>
+              </a:solidFill>
+              <a:effectLst/>
+              <a:highlight>
+                <a:srgbClr val="FFFFFF"/>
+              </a:highlight>
+              <a:latin typeface="Source Sans Pro" panose="020B0503030403020204" pitchFamily="34" charset="0"/>
+            </a:endParaRPr>
+          </a:p>
+        </p:txBody>
+      </p:sp>
+      <p:sp>
+        <p:nvSpPr>
+          <p:cNvPr id="4" name="Slide Number Placeholder 3"/>
+          <p:cNvSpPr>
+            <a:spLocks noGrp="1"/>
+          </p:cNvSpPr>
+          <p:nvPr>
+            <p:ph type="sldNum" sz="quarter" idx="5"/>
+          </p:nvPr>
+        </p:nvSpPr>
+        <p:spPr/>
+        <p:txBody>
+          <a:bodyPr/>
+          <a:lstStyle/>
+          <a:p>
+            <a:fld id="{261214D7-0EFF-874E-B345-8F18BB297AD0}" type="slidenum">
+              <a:rPr lang="en-US" smtClean="0"/>
+              <a:t>12</a:t>
+            </a:fld>
+            <a:endParaRPr lang="en-US"/>
+          </a:p>
+        </p:txBody>
+      </p:sp>
+    </p:spTree>
+    <p:extLst>
+      <p:ext uri="{BB962C8B-B14F-4D97-AF65-F5344CB8AC3E}">
+        <p14:creationId xmlns:p14="http://schemas.microsoft.com/office/powerpoint/2010/main" val="4039880481"/>
+      </p:ext>
+    </p:extLst>
+  </p:cSld>
+  <p:clrMapOvr>
+    <a:masterClrMapping/>
+  </p:clrMapOvr>
+</p:notes>
+</file>
+
+<file path=ppt/notesSlides/notesSlide11.xml><?xml version="1.0" encoding="utf-8"?>
+<p:notes xmlns:a="http://schemas.openxmlformats.org/drawingml/2006/main" xmlns:r="http://schemas.openxmlformats.org/officeDocument/2006/relationships" xmlns:p="http://schemas.openxmlformats.org/presentationml/2006/main">
+  <p:cSld>
+    <p:spTree>
+      <p:nvGrpSpPr>
+        <p:cNvPr id="1" name=""/>
+        <p:cNvGrpSpPr/>
+        <p:nvPr/>
+      </p:nvGrpSpPr>
+      <p:grpSpPr>
+        <a:xfrm>
+          <a:off x="0" y="0"/>
+          <a:ext cx="0" cy="0"/>
+          <a:chOff x="0" y="0"/>
+          <a:chExt cx="0" cy="0"/>
+        </a:xfrm>
+      </p:grpSpPr>
+      <p:sp>
+        <p:nvSpPr>
+          <p:cNvPr id="2" name="Slide Image Placeholder 1"/>
+          <p:cNvSpPr>
+            <a:spLocks noGrp="1" noRot="1" noChangeAspect="1"/>
+          </p:cNvSpPr>
+          <p:nvPr>
+            <p:ph type="sldImg"/>
+          </p:nvPr>
+        </p:nvSpPr>
+        <p:spPr/>
+      </p:sp>
+      <p:sp>
+        <p:nvSpPr>
+          <p:cNvPr id="3" name="Notes Placeholder 2"/>
+          <p:cNvSpPr>
+            <a:spLocks noGrp="1"/>
+          </p:cNvSpPr>
+          <p:nvPr>
+            <p:ph type="body" idx="1"/>
+          </p:nvPr>
+        </p:nvSpPr>
+        <p:spPr/>
+        <p:txBody>
+          <a:bodyPr/>
+          <a:lstStyle/>
+          <a:p>
+            <a:r>
+              <a:rPr lang="en-US" b="0" i="0" dirty="0">
+                <a:solidFill>
+                  <a:srgbClr val="333333"/>
+                </a:solidFill>
+                <a:effectLst/>
+                <a:highlight>
+                  <a:srgbClr val="FFFFFF"/>
+                </a:highlight>
+                <a:latin typeface="Source Sans Pro" panose="020B0503030403020204" pitchFamily="34" charset="0"/>
+              </a:rPr>
               <a:t>I believe some of my script or code chunks could be rewritten in a simpler and faster manner. Sometimes, I overthink, and a small, easy problem turns into 50 lines of code. </a:t>
             </a:r>
           </a:p>
@@ -1901,7 +2175,7 @@
           <a:p>
             <a:fld id="{261214D7-0EFF-874E-B345-8F18BB297AD0}" type="slidenum">
               <a:rPr lang="en-US" smtClean="0"/>
-              <a:t>12</a:t>
+              <a:t>13</a:t>
             </a:fld>
             <a:endParaRPr lang="en-US"/>
           </a:p>
@@ -1966,22 +2240,8 @@
           <a:p>
             <a:r>
               <a:rPr lang="en-US" dirty="0"/>
-              <a:t>PCA plot just to verify that </a:t>
-            </a:r>
-            <a:r>
-              <a:rPr lang="en-US" b="0" i="0" dirty="0">
-                <a:solidFill>
-                  <a:srgbClr val="333333"/>
-                </a:solidFill>
-                <a:effectLst/>
-                <a:highlight>
-                  <a:srgbClr val="FFFFFF"/>
-                </a:highlight>
-                <a:latin typeface="Source Sans Pro" panose="020B0503030403020204" pitchFamily="34" charset="0"/>
-              </a:rPr>
-              <a:t>L150P mutation has potential to drive transcriptional changes.</a:t>
-            </a:r>
-            <a:endParaRPr lang="en-US" dirty="0"/>
+              <a:t>GC – gene corrected vi CRIPSR CAS9</a:t>
+            </a:r>
           </a:p>
         </p:txBody>
       </p:sp>
@@ -2011,7 +2271,7 @@
     </p:spTree>
     <p:extLst>
       <p:ext uri="{BB962C8B-B14F-4D97-AF65-F5344CB8AC3E}">
-        <p14:creationId xmlns:p14="http://schemas.microsoft.com/office/powerpoint/2010/main" val="3407797041"/>
+        <p14:creationId xmlns:p14="http://schemas.microsoft.com/office/powerpoint/2010/main" val="1942701700"/>
       </p:ext>
     </p:extLst>
   </p:cSld>
@@ -2066,6 +2326,10 @@
           <a:lstStyle/>
           <a:p>
             <a:r>
+              <a:rPr lang="en-US" dirty="0"/>
+              <a:t>PCA plot just to verify that </a:t>
+            </a:r>
+            <a:r>
               <a:rPr lang="en-US" b="0" i="0" dirty="0">
                 <a:solidFill>
                   <a:srgbClr val="333333"/>
@@ -2076,7 +2340,7 @@
                 </a:highlight>
                 <a:latin typeface="Source Sans Pro" panose="020B0503030403020204" pitchFamily="34" charset="0"/>
               </a:rPr>
-              <a:t>The blue points represent genes that are significantly differentially expressed, with their dispersion reflecting the strength and direction of differential expression. The majority of genes do not exhibit significant changes in expression (grey points), indicating stable expression across the conditions compared.</a:t>
+              <a:t>L150P mutation has potential to drive transcriptional changes.</a:t>
             </a:r>
             <a:endParaRPr lang="en-US" dirty="0"/>
           </a:p>
@@ -2108,7 +2372,7 @@
     </p:spTree>
     <p:extLst>
       <p:ext uri="{BB962C8B-B14F-4D97-AF65-F5344CB8AC3E}">
-        <p14:creationId xmlns:p14="http://schemas.microsoft.com/office/powerpoint/2010/main" val="560977505"/>
+        <p14:creationId xmlns:p14="http://schemas.microsoft.com/office/powerpoint/2010/main" val="3407797041"/>
       </p:ext>
     </p:extLst>
   </p:cSld>
@@ -2163,9 +2427,19 @@
           <a:lstStyle/>
           <a:p>
             <a:r>
-              <a:rPr lang="en-US" dirty="0"/>
-              <a:t>Out of around 75 thousand genes, around 4 thousand were differentially expressed and significant</a:t>
-            </a:r>
+              <a:rPr lang="en-US" b="0" i="0" dirty="0">
+                <a:solidFill>
+                  <a:srgbClr val="333333"/>
+                </a:solidFill>
+                <a:effectLst/>
+                <a:highlight>
+                  <a:srgbClr val="FFFFFF"/>
+                </a:highlight>
+                <a:latin typeface="Source Sans Pro" panose="020B0503030403020204" pitchFamily="34" charset="0"/>
+              </a:rPr>
+              <a:t>The blue points represent genes that are significantly differentially expressed, with their dispersion reflecting the strength and direction of differential expression. The majority of genes do not exhibit significant changes in expression (grey points), indicating stable expression across the conditions compared.</a:t>
+            </a:r>
+            <a:endParaRPr lang="en-US" dirty="0"/>
           </a:p>
         </p:txBody>
       </p:sp>
@@ -2195,7 +2469,7 @@
     </p:spTree>
     <p:extLst>
       <p:ext uri="{BB962C8B-B14F-4D97-AF65-F5344CB8AC3E}">
-        <p14:creationId xmlns:p14="http://schemas.microsoft.com/office/powerpoint/2010/main" val="2231441984"/>
+        <p14:creationId xmlns:p14="http://schemas.microsoft.com/office/powerpoint/2010/main" val="560977505"/>
       </p:ext>
     </p:extLst>
   </p:cSld>
@@ -2251,16 +2525,7 @@
           <a:p>
             <a:r>
               <a:rPr lang="en-US" dirty="0"/>
-              <a:t>I was interested in protein-coding genes so I have filtered out all non protein-coding genes and here is the summary.</a:t>
-            </a:r>
-          </a:p>
-          <a:p>
-            <a:endParaRPr lang="en-US" dirty="0"/>
-          </a:p>
-          <a:p>
-            <a:r>
-              <a:rPr lang="en-US" dirty="0"/>
-              <a:t>Eventually I got left with 2.9 thousand protein coding, significant, differentially expressed  genes. Wordy</a:t>
+              <a:t>Out of around 75 thousand genes, around 4 thousand were differentially expressed and significant</a:t>
             </a:r>
           </a:p>
         </p:txBody>
@@ -2291,7 +2556,7 @@
     </p:spTree>
     <p:extLst>
       <p:ext uri="{BB962C8B-B14F-4D97-AF65-F5344CB8AC3E}">
-        <p14:creationId xmlns:p14="http://schemas.microsoft.com/office/powerpoint/2010/main" val="651740156"/>
+        <p14:creationId xmlns:p14="http://schemas.microsoft.com/office/powerpoint/2010/main" val="2231441984"/>
       </p:ext>
     </p:extLst>
   </p:cSld>
@@ -2347,22 +2612,17 @@
           <a:p>
             <a:r>
               <a:rPr lang="en-US" dirty="0"/>
-              <a:t>These are my Gene ontology plots for </a:t>
-            </a:r>
-            <a:r>
-              <a:rPr lang="en-US" b="0" i="0" dirty="0">
-                <a:solidFill>
-                  <a:srgbClr val="333333"/>
-                </a:solidFill>
-                <a:effectLst/>
-                <a:highlight>
-                  <a:srgbClr val="FFFFFF"/>
-                </a:highlight>
-                <a:latin typeface="Source Sans Pro" panose="020B0503030403020204" pitchFamily="34" charset="0"/>
-              </a:rPr>
-              <a:t>Biological Processes, </a:t>
-            </a:r>
+              <a:t>I was interested in protein-coding genes so I have filtered out all non protein-coding genes and here is the summary.</a:t>
+            </a:r>
+          </a:p>
+          <a:p>
             <a:endParaRPr lang="en-US" dirty="0"/>
+          </a:p>
+          <a:p>
+            <a:r>
+              <a:rPr lang="en-US" dirty="0"/>
+              <a:t>Eventually I got left with 2.9 thousand protein coding, significant, differentially expressed  genes. Wordy</a:t>
+            </a:r>
           </a:p>
         </p:txBody>
       </p:sp>
@@ -2392,7 +2652,7 @@
     </p:spTree>
     <p:extLst>
       <p:ext uri="{BB962C8B-B14F-4D97-AF65-F5344CB8AC3E}">
-        <p14:creationId xmlns:p14="http://schemas.microsoft.com/office/powerpoint/2010/main" val="2216139864"/>
+        <p14:creationId xmlns:p14="http://schemas.microsoft.com/office/powerpoint/2010/main" val="651740156"/>
       </p:ext>
     </p:extLst>
   </p:cSld>
@@ -2448,8 +2708,22 @@
           <a:p>
             <a:r>
               <a:rPr lang="en-US" dirty="0"/>
-              <a:t>Cellular component</a:t>
-            </a:r>
+              <a:t>These are my Gene ontology plots for </a:t>
+            </a:r>
+            <a:r>
+              <a:rPr lang="en-US" b="0" i="0" dirty="0">
+                <a:solidFill>
+                  <a:srgbClr val="333333"/>
+                </a:solidFill>
+                <a:effectLst/>
+                <a:highlight>
+                  <a:srgbClr val="FFFFFF"/>
+                </a:highlight>
+                <a:latin typeface="Source Sans Pro" panose="020B0503030403020204" pitchFamily="34" charset="0"/>
+              </a:rPr>
+              <a:t>Biological Processes, </a:t>
+            </a:r>
+            <a:endParaRPr lang="en-US" dirty="0"/>
           </a:p>
         </p:txBody>
       </p:sp>
@@ -2479,7 +2753,7 @@
     </p:spTree>
     <p:extLst>
       <p:ext uri="{BB962C8B-B14F-4D97-AF65-F5344CB8AC3E}">
-        <p14:creationId xmlns:p14="http://schemas.microsoft.com/office/powerpoint/2010/main" val="3612887812"/>
+        <p14:creationId xmlns:p14="http://schemas.microsoft.com/office/powerpoint/2010/main" val="2216139864"/>
       </p:ext>
     </p:extLst>
   </p:cSld>
@@ -2535,7 +2809,7 @@
           <a:p>
             <a:r>
               <a:rPr lang="en-US" dirty="0"/>
-              <a:t>And molecular function</a:t>
+              <a:t>Cellular component</a:t>
             </a:r>
           </a:p>
         </p:txBody>
@@ -2566,7 +2840,7 @@
     </p:spTree>
     <p:extLst>
       <p:ext uri="{BB962C8B-B14F-4D97-AF65-F5344CB8AC3E}">
-        <p14:creationId xmlns:p14="http://schemas.microsoft.com/office/powerpoint/2010/main" val="4243195569"/>
+        <p14:creationId xmlns:p14="http://schemas.microsoft.com/office/powerpoint/2010/main" val="3612887812"/>
       </p:ext>
     </p:extLst>
   </p:cSld>
@@ -2621,190 +2895,9 @@
           <a:lstStyle/>
           <a:p>
             <a:r>
-              <a:rPr lang="en-US" b="0" i="0" dirty="0">
-                <a:solidFill>
-                  <a:srgbClr val="333333"/>
-                </a:solidFill>
-                <a:effectLst/>
-                <a:highlight>
-                  <a:srgbClr val="FFFFFF"/>
-                </a:highlight>
-                <a:latin typeface="Source Sans Pro" panose="020B0503030403020204" pitchFamily="34" charset="0"/>
-              </a:rPr>
-              <a:t>Gene Ontology (GO) enrichment analysis highlighted significant dysregulation in biological processes and cellular components related to the extracellular matrix, confirming our hypothesis. Key GO terms such as extracellular matrix organization, collagen-containing extracellular matrix, and extracellular structure organization were among the most significantly enriched. </a:t>
-            </a:r>
-          </a:p>
-          <a:p>
-            <a:endParaRPr lang="en-US" b="0" i="0" dirty="0">
-              <a:solidFill>
-                <a:srgbClr val="333333"/>
-              </a:solidFill>
-              <a:effectLst/>
-              <a:highlight>
-                <a:srgbClr val="FFFFFF"/>
-              </a:highlight>
-              <a:latin typeface="Source Sans Pro" panose="020B0503030403020204" pitchFamily="34" charset="0"/>
-            </a:endParaRPr>
-          </a:p>
-          <a:p>
-            <a:r>
-              <a:rPr lang="en-US" b="0" i="0" dirty="0">
-                <a:solidFill>
-                  <a:srgbClr val="333333"/>
-                </a:solidFill>
-                <a:effectLst/>
-                <a:highlight>
-                  <a:srgbClr val="FFFFFF"/>
-                </a:highlight>
-                <a:latin typeface="Source Sans Pro" panose="020B0503030403020204" pitchFamily="34" charset="0"/>
-              </a:rPr>
-              <a:t>I would like to highlight the following genes:</a:t>
-            </a:r>
-          </a:p>
-          <a:p>
-            <a:r>
-              <a:rPr lang="en-US" b="0" i="0" dirty="0">
-                <a:solidFill>
-                  <a:srgbClr val="333333"/>
-                </a:solidFill>
-                <a:effectLst/>
-                <a:highlight>
-                  <a:srgbClr val="FFFFFF"/>
-                </a:highlight>
-                <a:latin typeface="Source Sans Pro" panose="020B0503030403020204" pitchFamily="34" charset="0"/>
-              </a:rPr>
-              <a:t>ITGA11 - </a:t>
-            </a:r>
-            <a:r>
-              <a:rPr lang="en-US" b="0" i="0" dirty="0">
-                <a:solidFill>
-                  <a:srgbClr val="ECECEC"/>
-                </a:solidFill>
-                <a:effectLst/>
-                <a:highlight>
-                  <a:srgbClr val="212121"/>
-                </a:highlight>
-                <a:latin typeface="Söhne"/>
-              </a:rPr>
-              <a:t>play a crucial role in cell-matrix adhesion and are involved in the structural organization of the ECM</a:t>
-            </a:r>
-          </a:p>
-          <a:p>
-            <a:endParaRPr lang="en-US" b="0" i="0" dirty="0">
-              <a:solidFill>
-                <a:srgbClr val="ECECEC"/>
-              </a:solidFill>
-              <a:effectLst/>
-              <a:highlight>
-                <a:srgbClr val="212121"/>
-              </a:highlight>
-              <a:latin typeface="Söhne"/>
-            </a:endParaRPr>
-          </a:p>
-          <a:p>
-            <a:r>
-              <a:rPr lang="en-US" b="0" i="0" dirty="0">
-                <a:solidFill>
-                  <a:srgbClr val="333333"/>
-                </a:solidFill>
-                <a:effectLst/>
-                <a:highlight>
-                  <a:srgbClr val="FFFFFF"/>
-                </a:highlight>
-                <a:latin typeface="Source Sans Pro" panose="020B0503030403020204" pitchFamily="34" charset="0"/>
-              </a:rPr>
-              <a:t>The second pair – are part of WNT pathway that </a:t>
-            </a:r>
-            <a:r>
-              <a:rPr lang="en-US" b="0" i="0" dirty="0">
-                <a:solidFill>
-                  <a:srgbClr val="ECECEC"/>
-                </a:solidFill>
-                <a:effectLst/>
-                <a:highlight>
-                  <a:srgbClr val="212121"/>
-                </a:highlight>
-                <a:latin typeface="Söhne"/>
-              </a:rPr>
-              <a:t>is vital for various developmental processes, including those that influence ECM maintenance and cell interactions with their environment</a:t>
-            </a:r>
-          </a:p>
-          <a:p>
-            <a:endParaRPr lang="en-US" b="0" i="0" dirty="0">
-              <a:solidFill>
-                <a:srgbClr val="ECECEC"/>
-              </a:solidFill>
-              <a:effectLst/>
-              <a:highlight>
-                <a:srgbClr val="212121"/>
-              </a:highlight>
-              <a:latin typeface="Söhne"/>
-            </a:endParaRPr>
-          </a:p>
-          <a:p>
-            <a:r>
-              <a:rPr lang="en-US" b="0" i="0" dirty="0">
-                <a:solidFill>
-                  <a:srgbClr val="ECECEC"/>
-                </a:solidFill>
-                <a:effectLst/>
-                <a:highlight>
-                  <a:srgbClr val="212121"/>
-                </a:highlight>
-                <a:latin typeface="Söhne"/>
-              </a:rPr>
-              <a:t>TTR - It can bind and stabilize amyloid-beta, potentially reducing amyloid plaque formation, which is a hallmark of Alzheimer’s disease</a:t>
-            </a:r>
-          </a:p>
-          <a:p>
-            <a:endParaRPr lang="en-US" b="0" i="0" dirty="0">
-              <a:solidFill>
-                <a:srgbClr val="333333"/>
-              </a:solidFill>
-              <a:effectLst/>
-              <a:highlight>
-                <a:srgbClr val="FFFFFF"/>
-              </a:highlight>
-              <a:latin typeface="Source Sans Pro" panose="020B0503030403020204" pitchFamily="34" charset="0"/>
-            </a:endParaRPr>
-          </a:p>
-          <a:p>
-            <a:r>
-              <a:rPr lang="en-US" b="0" i="0" dirty="0">
-                <a:solidFill>
-                  <a:srgbClr val="333333"/>
-                </a:solidFill>
-                <a:effectLst/>
-                <a:highlight>
-                  <a:srgbClr val="FFFFFF"/>
-                </a:highlight>
-                <a:latin typeface="Source Sans Pro" panose="020B0503030403020204" pitchFamily="34" charset="0"/>
-              </a:rPr>
-              <a:t>And the last one takes part in </a:t>
-            </a:r>
-            <a:r>
-              <a:rPr lang="en-US" b="0" i="0" dirty="0">
-                <a:solidFill>
-                  <a:srgbClr val="ECECEC"/>
-                </a:solidFill>
-                <a:effectLst/>
-                <a:highlight>
-                  <a:srgbClr val="212121"/>
-                </a:highlight>
-                <a:latin typeface="Söhne"/>
-              </a:rPr>
-              <a:t>regulating protein breakdown that maintains the matrix’s integrity</a:t>
-            </a:r>
-            <a:endParaRPr lang="en-US" b="0" i="0" dirty="0">
-              <a:solidFill>
-                <a:srgbClr val="333333"/>
-              </a:solidFill>
-              <a:effectLst/>
-              <a:highlight>
-                <a:srgbClr val="FFFFFF"/>
-              </a:highlight>
-              <a:latin typeface="Source Sans Pro" panose="020B0503030403020204" pitchFamily="34" charset="0"/>
-            </a:endParaRPr>
+              <a:rPr lang="en-US" dirty="0"/>
+              <a:t>And molecular function</a:t>
+            </a:r>
           </a:p>
         </p:txBody>
       </p:sp>
@@ -2834,7 +2927,7 @@
     </p:spTree>
     <p:extLst>
       <p:ext uri="{BB962C8B-B14F-4D97-AF65-F5344CB8AC3E}">
-        <p14:creationId xmlns:p14="http://schemas.microsoft.com/office/powerpoint/2010/main" val="4039880481"/>
+        <p14:creationId xmlns:p14="http://schemas.microsoft.com/office/powerpoint/2010/main" val="4243195569"/>
       </p:ext>
     </p:extLst>
   </p:cSld>
@@ -2991,7 +3084,7 @@
           <a:p>
             <a:fld id="{4C884F59-6895-2D4B-984D-A9A8C834FD8C}" type="datetimeFigureOut">
               <a:rPr lang="en-US" smtClean="0"/>
-              <a:t>4/22/24</a:t>
+              <a:t>4/23/24</a:t>
             </a:fld>
             <a:endParaRPr lang="en-US"/>
           </a:p>
@@ -3189,7 +3282,7 @@
           <a:p>
             <a:fld id="{4C884F59-6895-2D4B-984D-A9A8C834FD8C}" type="datetimeFigureOut">
               <a:rPr lang="en-US" smtClean="0"/>
-              <a:t>4/22/24</a:t>
+              <a:t>4/23/24</a:t>
             </a:fld>
             <a:endParaRPr lang="en-US"/>
           </a:p>
@@ -3397,7 +3490,7 @@
           <a:p>
             <a:fld id="{4C884F59-6895-2D4B-984D-A9A8C834FD8C}" type="datetimeFigureOut">
               <a:rPr lang="en-US" smtClean="0"/>
-              <a:t>4/22/24</a:t>
+              <a:t>4/23/24</a:t>
             </a:fld>
             <a:endParaRPr lang="en-US"/>
           </a:p>
@@ -3595,7 +3688,7 @@
           <a:p>
             <a:fld id="{4C884F59-6895-2D4B-984D-A9A8C834FD8C}" type="datetimeFigureOut">
               <a:rPr lang="en-US" smtClean="0"/>
-              <a:t>4/22/24</a:t>
+              <a:t>4/23/24</a:t>
             </a:fld>
             <a:endParaRPr lang="en-US"/>
           </a:p>
@@ -3870,7 +3963,7 @@
           <a:p>
             <a:fld id="{4C884F59-6895-2D4B-984D-A9A8C834FD8C}" type="datetimeFigureOut">
               <a:rPr lang="en-US" smtClean="0"/>
-              <a:t>4/22/24</a:t>
+              <a:t>4/23/24</a:t>
             </a:fld>
             <a:endParaRPr lang="en-US"/>
           </a:p>
@@ -4135,7 +4228,7 @@
           <a:p>
             <a:fld id="{4C884F59-6895-2D4B-984D-A9A8C834FD8C}" type="datetimeFigureOut">
               <a:rPr lang="en-US" smtClean="0"/>
-              <a:t>4/22/24</a:t>
+              <a:t>4/23/24</a:t>
             </a:fld>
             <a:endParaRPr lang="en-US"/>
           </a:p>
@@ -4547,7 +4640,7 @@
           <a:p>
             <a:fld id="{4C884F59-6895-2D4B-984D-A9A8C834FD8C}" type="datetimeFigureOut">
               <a:rPr lang="en-US" smtClean="0"/>
-              <a:t>4/22/24</a:t>
+              <a:t>4/23/24</a:t>
             </a:fld>
             <a:endParaRPr lang="en-US"/>
           </a:p>
@@ -4688,7 +4781,7 @@
           <a:p>
             <a:fld id="{4C884F59-6895-2D4B-984D-A9A8C834FD8C}" type="datetimeFigureOut">
               <a:rPr lang="en-US" smtClean="0"/>
-              <a:t>4/22/24</a:t>
+              <a:t>4/23/24</a:t>
             </a:fld>
             <a:endParaRPr lang="en-US"/>
           </a:p>
@@ -4801,7 +4894,7 @@
           <a:p>
             <a:fld id="{4C884F59-6895-2D4B-984D-A9A8C834FD8C}" type="datetimeFigureOut">
               <a:rPr lang="en-US" smtClean="0"/>
-              <a:t>4/22/24</a:t>
+              <a:t>4/23/24</a:t>
             </a:fld>
             <a:endParaRPr lang="en-US"/>
           </a:p>
@@ -5112,7 +5205,7 @@
           <a:p>
             <a:fld id="{4C884F59-6895-2D4B-984D-A9A8C834FD8C}" type="datetimeFigureOut">
               <a:rPr lang="en-US" smtClean="0"/>
-              <a:t>4/22/24</a:t>
+              <a:t>4/23/24</a:t>
             </a:fld>
             <a:endParaRPr lang="en-US"/>
           </a:p>
@@ -5400,7 +5493,7 @@
           <a:p>
             <a:fld id="{4C884F59-6895-2D4B-984D-A9A8C834FD8C}" type="datetimeFigureOut">
               <a:rPr lang="en-US" smtClean="0"/>
-              <a:t>4/22/24</a:t>
+              <a:t>4/23/24</a:t>
             </a:fld>
             <a:endParaRPr lang="en-US"/>
           </a:p>
@@ -5641,7 +5734,7 @@
           <a:p>
             <a:fld id="{4C884F59-6895-2D4B-984D-A9A8C834FD8C}" type="datetimeFigureOut">
               <a:rPr lang="en-US" smtClean="0"/>
-              <a:t>4/22/24</a:t>
+              <a:t>4/23/24</a:t>
             </a:fld>
             <a:endParaRPr lang="en-US"/>
           </a:p>
@@ -6161,6 +6254,115 @@
           <p:cNvPr id="2" name="Title 1">
             <a:extLst>
               <a:ext uri="{FF2B5EF4-FFF2-40B4-BE49-F238E27FC236}">
+                <a16:creationId xmlns:a16="http://schemas.microsoft.com/office/drawing/2014/main" id="{C459250F-1601-6646-FB47-6A85CED3E105}"/>
+              </a:ext>
+            </a:extLst>
+          </p:cNvPr>
+          <p:cNvSpPr>
+            <a:spLocks noGrp="1"/>
+          </p:cNvSpPr>
+          <p:nvPr>
+            <p:ph type="title"/>
+          </p:nvPr>
+        </p:nvSpPr>
+        <p:spPr/>
+        <p:txBody>
+          <a:bodyPr>
+            <a:normAutofit/>
+          </a:bodyPr>
+          <a:lstStyle/>
+          <a:p>
+            <a:r>
+              <a:rPr lang="en-US" dirty="0"/>
+              <a:t>Results - Cellular component</a:t>
+            </a:r>
+          </a:p>
+        </p:txBody>
+      </p:sp>
+      <p:pic>
+        <p:nvPicPr>
+          <p:cNvPr id="2050" name="Picture 2">
+            <a:extLst>
+              <a:ext uri="{FF2B5EF4-FFF2-40B4-BE49-F238E27FC236}">
+                <a16:creationId xmlns:a16="http://schemas.microsoft.com/office/drawing/2014/main" id="{6FE301B3-1573-EB83-1F3E-05FC8F832EA5}"/>
+              </a:ext>
+            </a:extLst>
+          </p:cNvPr>
+          <p:cNvPicPr>
+            <a:picLocks noGrp="1" noChangeAspect="1" noChangeArrowheads="1"/>
+          </p:cNvPicPr>
+          <p:nvPr>
+            <p:ph idx="1"/>
+          </p:nvPr>
+        </p:nvPicPr>
+        <p:blipFill>
+          <a:blip r:embed="rId3">
+            <a:extLst>
+              <a:ext uri="{28A0092B-C50C-407E-A947-70E740481C1C}">
+                <a14:useLocalDpi xmlns:a14="http://schemas.microsoft.com/office/drawing/2010/main" val="0"/>
+              </a:ext>
+            </a:extLst>
+          </a:blip>
+          <a:srcRect/>
+          <a:stretch>
+            <a:fillRect/>
+          </a:stretch>
+        </p:blipFill>
+        <p:spPr bwMode="auto">
+          <a:xfrm>
+            <a:off x="1745285" y="1429205"/>
+            <a:ext cx="7396651" cy="5283322"/>
+          </a:xfrm>
+          <a:prstGeom prst="rect">
+            <a:avLst/>
+          </a:prstGeom>
+          <a:noFill/>
+          <a:extLst>
+            <a:ext uri="{909E8E84-426E-40DD-AFC4-6F175D3DCCD1}">
+              <a14:hiddenFill xmlns:a14="http://schemas.microsoft.com/office/drawing/2010/main">
+                <a:solidFill>
+                  <a:srgbClr val="FFFFFF"/>
+                </a:solidFill>
+              </a14:hiddenFill>
+            </a:ext>
+          </a:extLst>
+        </p:spPr>
+      </p:pic>
+    </p:spTree>
+    <p:extLst>
+      <p:ext uri="{BB962C8B-B14F-4D97-AF65-F5344CB8AC3E}">
+        <p14:creationId xmlns:p14="http://schemas.microsoft.com/office/powerpoint/2010/main" val="4173954942"/>
+      </p:ext>
+    </p:extLst>
+  </p:cSld>
+  <p:clrMapOvr>
+    <a:masterClrMapping/>
+  </p:clrMapOvr>
+</p:sld>
+</file>
+
+<file path=ppt/slides/slide11.xml><?xml version="1.0" encoding="utf-8"?>
+<p:sld xmlns:a="http://schemas.openxmlformats.org/drawingml/2006/main" xmlns:r="http://schemas.openxmlformats.org/officeDocument/2006/relationships" xmlns:p="http://schemas.openxmlformats.org/presentationml/2006/main">
+  <p:cSld>
+    <p:spTree>
+      <p:nvGrpSpPr>
+        <p:cNvPr id="1" name=""/>
+        <p:cNvGrpSpPr/>
+        <p:nvPr/>
+      </p:nvGrpSpPr>
+      <p:grpSpPr>
+        <a:xfrm>
+          <a:off x="0" y="0"/>
+          <a:ext cx="0" cy="0"/>
+          <a:chOff x="0" y="0"/>
+          <a:chExt cx="0" cy="0"/>
+        </a:xfrm>
+      </p:grpSpPr>
+      <p:sp>
+        <p:nvSpPr>
+          <p:cNvPr id="2" name="Title 1">
+            <a:extLst>
+              <a:ext uri="{FF2B5EF4-FFF2-40B4-BE49-F238E27FC236}">
                 <a16:creationId xmlns:a16="http://schemas.microsoft.com/office/drawing/2014/main" id="{5A3EA2B4-5934-720E-644C-01E20C2C0F7D}"/>
               </a:ext>
             </a:extLst>
@@ -6260,7 +6462,7 @@
 </p:sld>
 </file>
 
-<file path=ppt/slides/slide11.xml><?xml version="1.0" encoding="utf-8"?>
+<file path=ppt/slides/slide12.xml><?xml version="1.0" encoding="utf-8"?>
 <p:sld xmlns:a="http://schemas.openxmlformats.org/drawingml/2006/main" xmlns:r="http://schemas.openxmlformats.org/officeDocument/2006/relationships" xmlns:p="http://schemas.openxmlformats.org/presentationml/2006/main">
   <p:cSld>
     <p:spTree>
@@ -6446,6 +6648,36 @@
           </a:p>
         </p:txBody>
       </p:sp>
+      <p:pic>
+        <p:nvPicPr>
+          <p:cNvPr id="8" name="Picture 7">
+            <a:extLst>
+              <a:ext uri="{FF2B5EF4-FFF2-40B4-BE49-F238E27FC236}">
+                <a16:creationId xmlns:a16="http://schemas.microsoft.com/office/drawing/2014/main" id="{30906E28-C0F1-5647-630D-0992A0E84FDC}"/>
+              </a:ext>
+            </a:extLst>
+          </p:cNvPr>
+          <p:cNvPicPr>
+            <a:picLocks noChangeAspect="1"/>
+          </p:cNvPicPr>
+          <p:nvPr/>
+        </p:nvPicPr>
+        <p:blipFill>
+          <a:blip r:embed="rId3"/>
+          <a:stretch>
+            <a:fillRect/>
+          </a:stretch>
+        </p:blipFill>
+        <p:spPr>
+          <a:xfrm>
+            <a:off x="3564191" y="3063875"/>
+            <a:ext cx="8627809" cy="3429000"/>
+          </a:xfrm>
+          <a:prstGeom prst="rect">
+            <a:avLst/>
+          </a:prstGeom>
+        </p:spPr>
+      </p:pic>
     </p:spTree>
     <p:extLst>
       <p:ext uri="{BB962C8B-B14F-4D97-AF65-F5344CB8AC3E}">
@@ -6459,7 +6691,7 @@
 </p:sld>
 </file>
 
-<file path=ppt/slides/slide12.xml><?xml version="1.0" encoding="utf-8"?>
+<file path=ppt/slides/slide13.xml><?xml version="1.0" encoding="utf-8"?>
 <p:sld xmlns:a="http://schemas.openxmlformats.org/drawingml/2006/main" xmlns:r="http://schemas.openxmlformats.org/officeDocument/2006/relationships" xmlns:p="http://schemas.openxmlformats.org/presentationml/2006/main">
   <p:cSld>
     <p:spTree>
@@ -6970,6 +7202,96 @@
           <p:cNvPr id="2" name="Title 1">
             <a:extLst>
               <a:ext uri="{FF2B5EF4-FFF2-40B4-BE49-F238E27FC236}">
+                <a16:creationId xmlns:a16="http://schemas.microsoft.com/office/drawing/2014/main" id="{7B6D9C97-3016-0DA4-B5DC-18055B5C7D51}"/>
+              </a:ext>
+            </a:extLst>
+          </p:cNvPr>
+          <p:cNvSpPr>
+            <a:spLocks noGrp="1"/>
+          </p:cNvSpPr>
+          <p:nvPr>
+            <p:ph type="title"/>
+          </p:nvPr>
+        </p:nvSpPr>
+        <p:spPr/>
+        <p:txBody>
+          <a:bodyPr/>
+          <a:lstStyle/>
+          <a:p>
+            <a:r>
+              <a:rPr lang="en-US" dirty="0"/>
+              <a:t>Results</a:t>
+            </a:r>
+          </a:p>
+        </p:txBody>
+      </p:sp>
+      <p:pic>
+        <p:nvPicPr>
+          <p:cNvPr id="4" name="Content Placeholder 3">
+            <a:extLst>
+              <a:ext uri="{FF2B5EF4-FFF2-40B4-BE49-F238E27FC236}">
+                <a16:creationId xmlns:a16="http://schemas.microsoft.com/office/drawing/2014/main" id="{A08C262C-8DB5-C1CE-48B1-30C65ED15DC7}"/>
+              </a:ext>
+            </a:extLst>
+          </p:cNvPr>
+          <p:cNvPicPr>
+            <a:picLocks noGrp="1" noChangeAspect="1"/>
+          </p:cNvPicPr>
+          <p:nvPr>
+            <p:ph idx="1"/>
+          </p:nvPr>
+        </p:nvPicPr>
+        <p:blipFill>
+          <a:blip r:embed="rId3"/>
+          <a:stretch>
+            <a:fillRect/>
+          </a:stretch>
+        </p:blipFill>
+        <p:spPr>
+          <a:xfrm>
+            <a:off x="2286000" y="1254942"/>
+            <a:ext cx="7600949" cy="5478972"/>
+          </a:xfrm>
+          <a:prstGeom prst="rect">
+            <a:avLst/>
+          </a:prstGeom>
+        </p:spPr>
+      </p:pic>
+    </p:spTree>
+    <p:extLst>
+      <p:ext uri="{BB962C8B-B14F-4D97-AF65-F5344CB8AC3E}">
+        <p14:creationId xmlns:p14="http://schemas.microsoft.com/office/powerpoint/2010/main" val="3355386903"/>
+      </p:ext>
+    </p:extLst>
+  </p:cSld>
+  <p:clrMapOvr>
+    <a:masterClrMapping/>
+  </p:clrMapOvr>
+</p:sld>
+</file>
+
+<file path=ppt/slides/slide5.xml><?xml version="1.0" encoding="utf-8"?>
+<p:sld xmlns:a="http://schemas.openxmlformats.org/drawingml/2006/main" xmlns:r="http://schemas.openxmlformats.org/officeDocument/2006/relationships" xmlns:p="http://schemas.openxmlformats.org/presentationml/2006/main">
+  <p:cSld>
+    <p:spTree>
+      <p:nvGrpSpPr>
+        <p:cNvPr id="1" name=""/>
+        <p:cNvGrpSpPr/>
+        <p:nvPr/>
+      </p:nvGrpSpPr>
+      <p:grpSpPr>
+        <a:xfrm>
+          <a:off x="0" y="0"/>
+          <a:ext cx="0" cy="0"/>
+          <a:chOff x="0" y="0"/>
+          <a:chExt cx="0" cy="0"/>
+        </a:xfrm>
+      </p:grpSpPr>
+      <p:sp>
+        <p:nvSpPr>
+          <p:cNvPr id="2" name="Title 1">
+            <a:extLst>
+              <a:ext uri="{FF2B5EF4-FFF2-40B4-BE49-F238E27FC236}">
                 <a16:creationId xmlns:a16="http://schemas.microsoft.com/office/drawing/2014/main" id="{B59F5429-6E9F-2063-6C51-3AD680BDC42C}"/>
               </a:ext>
             </a:extLst>
@@ -7036,7 +7358,7 @@
 </p:sld>
 </file>
 
-<file path=ppt/slides/slide5.xml><?xml version="1.0" encoding="utf-8"?>
+<file path=ppt/slides/slide6.xml><?xml version="1.0" encoding="utf-8"?>
 <p:sld xmlns:a="http://schemas.openxmlformats.org/drawingml/2006/main" xmlns:r="http://schemas.openxmlformats.org/officeDocument/2006/relationships" xmlns:p="http://schemas.openxmlformats.org/presentationml/2006/main">
   <p:cSld>
     <p:spTree>
@@ -7124,7 +7446,7 @@
 </p:sld>
 </file>
 
-<file path=ppt/slides/slide6.xml><?xml version="1.0" encoding="utf-8"?>
+<file path=ppt/slides/slide7.xml><?xml version="1.0" encoding="utf-8"?>
 <p:sld xmlns:a="http://schemas.openxmlformats.org/drawingml/2006/main" xmlns:r="http://schemas.openxmlformats.org/officeDocument/2006/relationships" xmlns:p="http://schemas.openxmlformats.org/presentationml/2006/main">
   <p:cSld>
     <p:spTree>
@@ -7213,7 +7535,7 @@
 </p:sld>
 </file>
 
-<file path=ppt/slides/slide7.xml><?xml version="1.0" encoding="utf-8"?>
+<file path=ppt/slides/slide8.xml><?xml version="1.0" encoding="utf-8"?>
 <p:sld xmlns:a="http://schemas.openxmlformats.org/drawingml/2006/main" xmlns:r="http://schemas.openxmlformats.org/officeDocument/2006/relationships" xmlns:p="http://schemas.openxmlformats.org/presentationml/2006/main">
   <p:cSld>
     <p:spTree>
@@ -7301,7 +7623,7 @@
 </p:sld>
 </file>
 
-<file path=ppt/slides/slide8.xml><?xml version="1.0" encoding="utf-8"?>
+<file path=ppt/slides/slide9.xml><?xml version="1.0" encoding="utf-8"?>
 <p:sld xmlns:a="http://schemas.openxmlformats.org/drawingml/2006/main" xmlns:r="http://schemas.openxmlformats.org/officeDocument/2006/relationships" xmlns:p="http://schemas.openxmlformats.org/presentationml/2006/main">
   <p:cSld>
     <p:spTree>
@@ -7413,115 +7735,6 @@
     <p:extLst>
       <p:ext uri="{BB962C8B-B14F-4D97-AF65-F5344CB8AC3E}">
         <p14:creationId xmlns:p14="http://schemas.microsoft.com/office/powerpoint/2010/main" val="494938664"/>
-      </p:ext>
-    </p:extLst>
-  </p:cSld>
-  <p:clrMapOvr>
-    <a:masterClrMapping/>
-  </p:clrMapOvr>
-</p:sld>
-</file>
-
-<file path=ppt/slides/slide9.xml><?xml version="1.0" encoding="utf-8"?>
-<p:sld xmlns:a="http://schemas.openxmlformats.org/drawingml/2006/main" xmlns:r="http://schemas.openxmlformats.org/officeDocument/2006/relationships" xmlns:p="http://schemas.openxmlformats.org/presentationml/2006/main">
-  <p:cSld>
-    <p:spTree>
-      <p:nvGrpSpPr>
-        <p:cNvPr id="1" name=""/>
-        <p:cNvGrpSpPr/>
-        <p:nvPr/>
-      </p:nvGrpSpPr>
-      <p:grpSpPr>
-        <a:xfrm>
-          <a:off x="0" y="0"/>
-          <a:ext cx="0" cy="0"/>
-          <a:chOff x="0" y="0"/>
-          <a:chExt cx="0" cy="0"/>
-        </a:xfrm>
-      </p:grpSpPr>
-      <p:sp>
-        <p:nvSpPr>
-          <p:cNvPr id="2" name="Title 1">
-            <a:extLst>
-              <a:ext uri="{FF2B5EF4-FFF2-40B4-BE49-F238E27FC236}">
-                <a16:creationId xmlns:a16="http://schemas.microsoft.com/office/drawing/2014/main" id="{C459250F-1601-6646-FB47-6A85CED3E105}"/>
-              </a:ext>
-            </a:extLst>
-          </p:cNvPr>
-          <p:cNvSpPr>
-            <a:spLocks noGrp="1"/>
-          </p:cNvSpPr>
-          <p:nvPr>
-            <p:ph type="title"/>
-          </p:nvPr>
-        </p:nvSpPr>
-        <p:spPr/>
-        <p:txBody>
-          <a:bodyPr>
-            <a:normAutofit/>
-          </a:bodyPr>
-          <a:lstStyle/>
-          <a:p>
-            <a:r>
-              <a:rPr lang="en-US" dirty="0"/>
-              <a:t>Results - Cellular component</a:t>
-            </a:r>
-          </a:p>
-        </p:txBody>
-      </p:sp>
-      <p:pic>
-        <p:nvPicPr>
-          <p:cNvPr id="2050" name="Picture 2">
-            <a:extLst>
-              <a:ext uri="{FF2B5EF4-FFF2-40B4-BE49-F238E27FC236}">
-                <a16:creationId xmlns:a16="http://schemas.microsoft.com/office/drawing/2014/main" id="{6FE301B3-1573-EB83-1F3E-05FC8F832EA5}"/>
-              </a:ext>
-            </a:extLst>
-          </p:cNvPr>
-          <p:cNvPicPr>
-            <a:picLocks noGrp="1" noChangeAspect="1" noChangeArrowheads="1"/>
-          </p:cNvPicPr>
-          <p:nvPr>
-            <p:ph idx="1"/>
-          </p:nvPr>
-        </p:nvPicPr>
-        <p:blipFill>
-          <a:blip r:embed="rId3">
-            <a:extLst>
-              <a:ext uri="{28A0092B-C50C-407E-A947-70E740481C1C}">
-                <a14:useLocalDpi xmlns:a14="http://schemas.microsoft.com/office/drawing/2010/main" val="0"/>
-              </a:ext>
-            </a:extLst>
-          </a:blip>
-          <a:srcRect/>
-          <a:stretch>
-            <a:fillRect/>
-          </a:stretch>
-        </p:blipFill>
-        <p:spPr bwMode="auto">
-          <a:xfrm>
-            <a:off x="1745285" y="1429205"/>
-            <a:ext cx="7396651" cy="5283322"/>
-          </a:xfrm>
-          <a:prstGeom prst="rect">
-            <a:avLst/>
-          </a:prstGeom>
-          <a:noFill/>
-          <a:extLst>
-            <a:ext uri="{909E8E84-426E-40DD-AFC4-6F175D3DCCD1}">
-              <a14:hiddenFill xmlns:a14="http://schemas.microsoft.com/office/drawing/2010/main">
-                <a:solidFill>
-                  <a:srgbClr val="FFFFFF"/>
-                </a:solidFill>
-              </a14:hiddenFill>
-            </a:ext>
-          </a:extLst>
-        </p:spPr>
-      </p:pic>
-    </p:spTree>
-    <p:extLst>
-      <p:ext uri="{BB962C8B-B14F-4D97-AF65-F5344CB8AC3E}">
-        <p14:creationId xmlns:p14="http://schemas.microsoft.com/office/powerpoint/2010/main" val="4173954942"/>
       </p:ext>
     </p:extLst>
   </p:cSld>
